--- a/img/PPT Formwork.pptx
+++ b/img/PPT Formwork.pptx
@@ -5,10 +5,11 @@
     <p:sldMasterId id="2147483648" r:id="rId1"/>
   </p:sldMasterIdLst>
   <p:notesMasterIdLst>
-    <p:notesMasterId r:id="rId3"/>
+    <p:notesMasterId r:id="rId4"/>
   </p:notesMasterIdLst>
   <p:sldIdLst>
     <p:sldId id="256" r:id="rId2"/>
+    <p:sldId id="257" r:id="rId3"/>
   </p:sldIdLst>
   <p:sldSz cx="12192000" cy="6858000"/>
   <p:notesSz cx="6858000" cy="9144000"/>
@@ -560,6 +561,90 @@
 </p:notes>
 </file>
 
+<file path=ppt/notesSlides/notesSlide2.xml><?xml version="1.0" encoding="utf-8"?>
+<p:notes xmlns:a="http://schemas.openxmlformats.org/drawingml/2006/main" xmlns:r="http://schemas.openxmlformats.org/officeDocument/2006/relationships" xmlns:p="http://schemas.openxmlformats.org/presentationml/2006/main">
+  <p:cSld>
+    <p:spTree>
+      <p:nvGrpSpPr>
+        <p:cNvPr id="1" name=""/>
+        <p:cNvGrpSpPr/>
+        <p:nvPr/>
+      </p:nvGrpSpPr>
+      <p:grpSpPr>
+        <a:xfrm>
+          <a:off x="0" y="0"/>
+          <a:ext cx="0" cy="0"/>
+          <a:chOff x="0" y="0"/>
+          <a:chExt cx="0" cy="0"/>
+        </a:xfrm>
+      </p:grpSpPr>
+      <p:sp>
+        <p:nvSpPr>
+          <p:cNvPr id="2" name="幻灯片图像占位符 1"/>
+          <p:cNvSpPr>
+            <a:spLocks noGrp="1" noRot="1" noChangeAspect="1"/>
+          </p:cNvSpPr>
+          <p:nvPr>
+            <p:ph type="sldImg"/>
+          </p:nvPr>
+        </p:nvSpPr>
+        <p:spPr/>
+      </p:sp>
+      <p:sp>
+        <p:nvSpPr>
+          <p:cNvPr id="3" name="备注占位符 2"/>
+          <p:cNvSpPr>
+            <a:spLocks noGrp="1"/>
+          </p:cNvSpPr>
+          <p:nvPr>
+            <p:ph type="body" idx="1"/>
+          </p:nvPr>
+        </p:nvSpPr>
+        <p:spPr/>
+        <p:txBody>
+          <a:bodyPr/>
+          <a:lstStyle/>
+          <a:p>
+            <a:endParaRPr lang="zh-CN" altLang="en-US" dirty="0"/>
+          </a:p>
+        </p:txBody>
+      </p:sp>
+      <p:sp>
+        <p:nvSpPr>
+          <p:cNvPr id="4" name="灯片编号占位符 3"/>
+          <p:cNvSpPr>
+            <a:spLocks noGrp="1"/>
+          </p:cNvSpPr>
+          <p:nvPr>
+            <p:ph type="sldNum" sz="quarter" idx="5"/>
+          </p:nvPr>
+        </p:nvSpPr>
+        <p:spPr/>
+        <p:txBody>
+          <a:bodyPr/>
+          <a:lstStyle/>
+          <a:p>
+            <a:fld id="{5344892A-FA14-40F7-8C4B-950F9956C19F}" type="slidenum">
+              <a:rPr lang="zh-CN" altLang="en-US" smtClean="0"/>
+              <a:t>2</a:t>
+            </a:fld>
+            <a:endParaRPr lang="zh-CN" altLang="en-US"/>
+          </a:p>
+        </p:txBody>
+      </p:sp>
+    </p:spTree>
+    <p:extLst>
+      <p:ext uri="{BB962C8B-B14F-4D97-AF65-F5344CB8AC3E}">
+        <p14:creationId xmlns:p14="http://schemas.microsoft.com/office/powerpoint/2010/main" val="3362253435"/>
+      </p:ext>
+    </p:extLst>
+  </p:cSld>
+  <p:clrMapOvr>
+    <a:masterClrMapping/>
+  </p:clrMapOvr>
+</p:notes>
+</file>
+
 <file path=ppt/slideLayouts/slideLayout1.xml><?xml version="1.0" encoding="utf-8"?>
 <p:sldLayout xmlns:a="http://schemas.openxmlformats.org/drawingml/2006/main" xmlns:r="http://schemas.openxmlformats.org/officeDocument/2006/relationships" xmlns:p="http://schemas.openxmlformats.org/presentationml/2006/main" type="title" preserve="1">
   <p:cSld name="标题幻灯片">
@@ -709,7 +794,7 @@
           <a:p>
             <a:fld id="{6BAEC7DB-416E-4648-AE31-15D6F0A9A9FB}" type="datetimeFigureOut">
               <a:rPr lang="en-US" smtClean="0"/>
-              <a:t>1/10/19</a:t>
+              <a:t>1/10/2019</a:t>
             </a:fld>
             <a:endParaRPr lang="en-US"/>
           </a:p>
@@ -909,7 +994,7 @@
           <a:p>
             <a:fld id="{6BAEC7DB-416E-4648-AE31-15D6F0A9A9FB}" type="datetimeFigureOut">
               <a:rPr lang="en-US" smtClean="0"/>
-              <a:t>1/10/19</a:t>
+              <a:t>1/10/2019</a:t>
             </a:fld>
             <a:endParaRPr lang="en-US"/>
           </a:p>
@@ -1119,7 +1204,7 @@
           <a:p>
             <a:fld id="{6BAEC7DB-416E-4648-AE31-15D6F0A9A9FB}" type="datetimeFigureOut">
               <a:rPr lang="en-US" smtClean="0"/>
-              <a:t>1/10/19</a:t>
+              <a:t>1/10/2019</a:t>
             </a:fld>
             <a:endParaRPr lang="en-US"/>
           </a:p>
@@ -1319,7 +1404,7 @@
           <a:p>
             <a:fld id="{6BAEC7DB-416E-4648-AE31-15D6F0A9A9FB}" type="datetimeFigureOut">
               <a:rPr lang="en-US" smtClean="0"/>
-              <a:t>1/10/19</a:t>
+              <a:t>1/10/2019</a:t>
             </a:fld>
             <a:endParaRPr lang="en-US"/>
           </a:p>
@@ -1595,7 +1680,7 @@
           <a:p>
             <a:fld id="{6BAEC7DB-416E-4648-AE31-15D6F0A9A9FB}" type="datetimeFigureOut">
               <a:rPr lang="en-US" smtClean="0"/>
-              <a:t>1/10/19</a:t>
+              <a:t>1/10/2019</a:t>
             </a:fld>
             <a:endParaRPr lang="en-US"/>
           </a:p>
@@ -1863,7 +1948,7 @@
           <a:p>
             <a:fld id="{6BAEC7DB-416E-4648-AE31-15D6F0A9A9FB}" type="datetimeFigureOut">
               <a:rPr lang="en-US" smtClean="0"/>
-              <a:t>1/10/19</a:t>
+              <a:t>1/10/2019</a:t>
             </a:fld>
             <a:endParaRPr lang="en-US"/>
           </a:p>
@@ -2278,7 +2363,7 @@
           <a:p>
             <a:fld id="{6BAEC7DB-416E-4648-AE31-15D6F0A9A9FB}" type="datetimeFigureOut">
               <a:rPr lang="en-US" smtClean="0"/>
-              <a:t>1/10/19</a:t>
+              <a:t>1/10/2019</a:t>
             </a:fld>
             <a:endParaRPr lang="en-US"/>
           </a:p>
@@ -2420,7 +2505,7 @@
           <a:p>
             <a:fld id="{6BAEC7DB-416E-4648-AE31-15D6F0A9A9FB}" type="datetimeFigureOut">
               <a:rPr lang="en-US" smtClean="0"/>
-              <a:t>1/10/19</a:t>
+              <a:t>1/10/2019</a:t>
             </a:fld>
             <a:endParaRPr lang="en-US"/>
           </a:p>
@@ -2533,7 +2618,7 @@
           <a:p>
             <a:fld id="{6BAEC7DB-416E-4648-AE31-15D6F0A9A9FB}" type="datetimeFigureOut">
               <a:rPr lang="en-US" smtClean="0"/>
-              <a:t>1/10/19</a:t>
+              <a:t>1/10/2019</a:t>
             </a:fld>
             <a:endParaRPr lang="en-US"/>
           </a:p>
@@ -2846,7 +2931,7 @@
           <a:p>
             <a:fld id="{6BAEC7DB-416E-4648-AE31-15D6F0A9A9FB}" type="datetimeFigureOut">
               <a:rPr lang="en-US" smtClean="0"/>
-              <a:t>1/10/19</a:t>
+              <a:t>1/10/2019</a:t>
             </a:fld>
             <a:endParaRPr lang="en-US"/>
           </a:p>
@@ -3135,7 +3220,7 @@
           <a:p>
             <a:fld id="{6BAEC7DB-416E-4648-AE31-15D6F0A9A9FB}" type="datetimeFigureOut">
               <a:rPr lang="en-US" smtClean="0"/>
-              <a:t>1/10/19</a:t>
+              <a:t>1/10/2019</a:t>
             </a:fld>
             <a:endParaRPr lang="en-US"/>
           </a:p>
@@ -3378,7 +3463,7 @@
           <a:p>
             <a:fld id="{6BAEC7DB-416E-4648-AE31-15D6F0A9A9FB}" type="datetimeFigureOut">
               <a:rPr lang="en-US" smtClean="0"/>
-              <a:t>1/10/19</a:t>
+              <a:t>1/10/2019</a:t>
             </a:fld>
             <a:endParaRPr lang="en-US"/>
           </a:p>
@@ -6461,6 +6546,1635 @@
     <p:extLst>
       <p:ext uri="{BB962C8B-B14F-4D97-AF65-F5344CB8AC3E}">
         <p14:creationId xmlns:p14="http://schemas.microsoft.com/office/powerpoint/2010/main" val="2496173998"/>
+      </p:ext>
+    </p:extLst>
+  </p:cSld>
+  <p:clrMapOvr>
+    <a:masterClrMapping/>
+  </p:clrMapOvr>
+</p:sld>
+</file>
+
+<file path=ppt/slides/slide2.xml><?xml version="1.0" encoding="utf-8"?>
+<p:sld xmlns:a="http://schemas.openxmlformats.org/drawingml/2006/main" xmlns:r="http://schemas.openxmlformats.org/officeDocument/2006/relationships" xmlns:p="http://schemas.openxmlformats.org/presentationml/2006/main">
+  <p:cSld>
+    <p:spTree>
+      <p:nvGrpSpPr>
+        <p:cNvPr id="1" name=""/>
+        <p:cNvGrpSpPr/>
+        <p:nvPr/>
+      </p:nvGrpSpPr>
+      <p:grpSpPr>
+        <a:xfrm>
+          <a:off x="0" y="0"/>
+          <a:ext cx="0" cy="0"/>
+          <a:chOff x="0" y="0"/>
+          <a:chExt cx="0" cy="0"/>
+        </a:xfrm>
+      </p:grpSpPr>
+      <p:pic>
+        <p:nvPicPr>
+          <p:cNvPr id="3" name="图片 2">
+            <a:extLst>
+              <a:ext uri="{FF2B5EF4-FFF2-40B4-BE49-F238E27FC236}">
+                <a16:creationId xmlns:a16="http://schemas.microsoft.com/office/drawing/2014/main" id="{C076DCDA-49E8-4394-9084-6FA23B1D2D5F}"/>
+              </a:ext>
+            </a:extLst>
+          </p:cNvPr>
+          <p:cNvPicPr>
+            <a:picLocks noChangeAspect="1"/>
+          </p:cNvPicPr>
+          <p:nvPr/>
+        </p:nvPicPr>
+        <p:blipFill>
+          <a:blip r:embed="rId3">
+            <a:extLst>
+              <a:ext uri="{28A0092B-C50C-407E-A947-70E740481C1C}">
+                <a14:useLocalDpi xmlns:a14="http://schemas.microsoft.com/office/drawing/2010/main" val="0"/>
+              </a:ext>
+            </a:extLst>
+          </a:blip>
+          <a:stretch>
+            <a:fillRect/>
+          </a:stretch>
+        </p:blipFill>
+        <p:spPr>
+          <a:xfrm rot="16200000">
+            <a:off x="1924510" y="458013"/>
+            <a:ext cx="7680960" cy="5760720"/>
+          </a:xfrm>
+          <a:prstGeom prst="rect">
+            <a:avLst/>
+          </a:prstGeom>
+        </p:spPr>
+      </p:pic>
+      <p:sp>
+        <p:nvSpPr>
+          <p:cNvPr id="26" name="文本框 25">
+            <a:extLst>
+              <a:ext uri="{FF2B5EF4-FFF2-40B4-BE49-F238E27FC236}">
+                <a16:creationId xmlns:a16="http://schemas.microsoft.com/office/drawing/2014/main" id="{0AF17828-1E12-4CE9-9C99-EF8014F672BC}"/>
+              </a:ext>
+            </a:extLst>
+          </p:cNvPr>
+          <p:cNvSpPr txBox="1"/>
+          <p:nvPr/>
+        </p:nvSpPr>
+        <p:spPr>
+          <a:xfrm>
+            <a:off x="8810148" y="1292152"/>
+            <a:ext cx="535724" cy="400110"/>
+          </a:xfrm>
+          <a:prstGeom prst="rect">
+            <a:avLst/>
+          </a:prstGeom>
+          <a:noFill/>
+        </p:spPr>
+        <p:txBody>
+          <a:bodyPr wrap="none" rtlCol="0">
+            <a:spAutoFit/>
+          </a:bodyPr>
+          <a:lstStyle/>
+          <a:p>
+            <a:r>
+              <a:rPr lang="en-US" altLang="zh-CN" sz="2000" b="1" dirty="0">
+                <a:solidFill>
+                  <a:srgbClr val="A5A5A5"/>
+                </a:solidFill>
+                <a:latin typeface="微软雅黑" panose="020B0503020204020204" pitchFamily="34" charset="-122"/>
+                <a:ea typeface="微软雅黑" panose="020B0503020204020204" pitchFamily="34" charset="-122"/>
+              </a:rPr>
+              <a:t>A0</a:t>
+            </a:r>
+            <a:endParaRPr lang="zh-CN" altLang="en-US" sz="2000" b="1" dirty="0">
+              <a:solidFill>
+                <a:srgbClr val="A5A5A5"/>
+              </a:solidFill>
+              <a:latin typeface="微软雅黑" panose="020B0503020204020204" pitchFamily="34" charset="-122"/>
+              <a:ea typeface="微软雅黑" panose="020B0503020204020204" pitchFamily="34" charset="-122"/>
+            </a:endParaRPr>
+          </a:p>
+        </p:txBody>
+      </p:sp>
+      <p:cxnSp>
+        <p:nvCxnSpPr>
+          <p:cNvPr id="27" name="直接连接符 26">
+            <a:extLst>
+              <a:ext uri="{FF2B5EF4-FFF2-40B4-BE49-F238E27FC236}">
+                <a16:creationId xmlns:a16="http://schemas.microsoft.com/office/drawing/2014/main" id="{7AD4ED90-09EC-43A2-AB59-92E426E6482C}"/>
+              </a:ext>
+            </a:extLst>
+          </p:cNvPr>
+          <p:cNvCxnSpPr>
+            <a:cxnSpLocks/>
+          </p:cNvCxnSpPr>
+          <p:nvPr/>
+        </p:nvCxnSpPr>
+        <p:spPr>
+          <a:xfrm flipH="1">
+            <a:off x="7376945" y="1262258"/>
+            <a:ext cx="434754" cy="437591"/>
+          </a:xfrm>
+          <a:prstGeom prst="line">
+            <a:avLst/>
+          </a:prstGeom>
+          <a:ln w="12700">
+            <a:solidFill>
+              <a:schemeClr val="bg1">
+                <a:lumMod val="65000"/>
+              </a:schemeClr>
+            </a:solidFill>
+            <a:prstDash val="dash"/>
+          </a:ln>
+        </p:spPr>
+        <p:style>
+          <a:lnRef idx="1">
+            <a:schemeClr val="accent1"/>
+          </a:lnRef>
+          <a:fillRef idx="0">
+            <a:schemeClr val="accent1"/>
+          </a:fillRef>
+          <a:effectRef idx="0">
+            <a:schemeClr val="accent1"/>
+          </a:effectRef>
+          <a:fontRef idx="minor">
+            <a:schemeClr val="tx1"/>
+          </a:fontRef>
+        </p:style>
+      </p:cxnSp>
+      <p:sp>
+        <p:nvSpPr>
+          <p:cNvPr id="29" name="椭圆 28">
+            <a:extLst>
+              <a:ext uri="{FF2B5EF4-FFF2-40B4-BE49-F238E27FC236}">
+                <a16:creationId xmlns:a16="http://schemas.microsoft.com/office/drawing/2014/main" id="{22B58623-E91B-4BFF-97E1-6BAABEEB7AB0}"/>
+              </a:ext>
+            </a:extLst>
+          </p:cNvPr>
+          <p:cNvSpPr>
+            <a:spLocks noChangeAspect="1"/>
+          </p:cNvSpPr>
+          <p:nvPr/>
+        </p:nvSpPr>
+        <p:spPr>
+          <a:xfrm rot="5400000">
+            <a:off x="7316952" y="2160866"/>
+            <a:ext cx="99675" cy="99675"/>
+          </a:xfrm>
+          <a:prstGeom prst="ellipse">
+            <a:avLst/>
+          </a:prstGeom>
+          <a:solidFill>
+            <a:srgbClr val="FFC000"/>
+          </a:solidFill>
+          <a:ln w="25400">
+            <a:solidFill>
+              <a:schemeClr val="bg1"/>
+            </a:solidFill>
+          </a:ln>
+        </p:spPr>
+        <p:style>
+          <a:lnRef idx="2">
+            <a:schemeClr val="accent1">
+              <a:shade val="50000"/>
+            </a:schemeClr>
+          </a:lnRef>
+          <a:fillRef idx="1">
+            <a:schemeClr val="accent1"/>
+          </a:fillRef>
+          <a:effectRef idx="0">
+            <a:schemeClr val="accent1"/>
+          </a:effectRef>
+          <a:fontRef idx="minor">
+            <a:schemeClr val="lt1"/>
+          </a:fontRef>
+        </p:style>
+        <p:txBody>
+          <a:bodyPr rtlCol="0" anchor="ctr"/>
+          <a:lstStyle/>
+          <a:p>
+            <a:pPr algn="ctr"/>
+            <a:endParaRPr lang="en-US">
+              <a:cs typeface="+mn-ea"/>
+            </a:endParaRPr>
+          </a:p>
+        </p:txBody>
+      </p:sp>
+      <p:sp>
+        <p:nvSpPr>
+          <p:cNvPr id="30" name="椭圆 29">
+            <a:extLst>
+              <a:ext uri="{FF2B5EF4-FFF2-40B4-BE49-F238E27FC236}">
+                <a16:creationId xmlns:a16="http://schemas.microsoft.com/office/drawing/2014/main" id="{248087C3-64D3-4CB8-881A-8BDAB350D6A7}"/>
+              </a:ext>
+            </a:extLst>
+          </p:cNvPr>
+          <p:cNvSpPr>
+            <a:spLocks noChangeAspect="1"/>
+          </p:cNvSpPr>
+          <p:nvPr/>
+        </p:nvSpPr>
+        <p:spPr>
+          <a:xfrm rot="5400000">
+            <a:off x="7316952" y="1671883"/>
+            <a:ext cx="99675" cy="99675"/>
+          </a:xfrm>
+          <a:prstGeom prst="ellipse">
+            <a:avLst/>
+          </a:prstGeom>
+          <a:solidFill>
+            <a:srgbClr val="FFC000"/>
+          </a:solidFill>
+          <a:ln w="25400">
+            <a:solidFill>
+              <a:schemeClr val="bg1"/>
+            </a:solidFill>
+          </a:ln>
+        </p:spPr>
+        <p:style>
+          <a:lnRef idx="2">
+            <a:schemeClr val="accent1">
+              <a:shade val="50000"/>
+            </a:schemeClr>
+          </a:lnRef>
+          <a:fillRef idx="1">
+            <a:schemeClr val="accent1"/>
+          </a:fillRef>
+          <a:effectRef idx="0">
+            <a:schemeClr val="accent1"/>
+          </a:effectRef>
+          <a:fontRef idx="minor">
+            <a:schemeClr val="lt1"/>
+          </a:fontRef>
+        </p:style>
+        <p:txBody>
+          <a:bodyPr rtlCol="0" anchor="ctr"/>
+          <a:lstStyle/>
+          <a:p>
+            <a:pPr algn="ctr"/>
+            <a:endParaRPr lang="en-US">
+              <a:cs typeface="+mn-ea"/>
+            </a:endParaRPr>
+          </a:p>
+        </p:txBody>
+      </p:sp>
+      <p:sp>
+        <p:nvSpPr>
+          <p:cNvPr id="35" name="矩形 34">
+            <a:extLst>
+              <a:ext uri="{FF2B5EF4-FFF2-40B4-BE49-F238E27FC236}">
+                <a16:creationId xmlns:a16="http://schemas.microsoft.com/office/drawing/2014/main" id="{F4A1C139-AFEC-46A9-B15A-1BC9385AE54B}"/>
+              </a:ext>
+            </a:extLst>
+          </p:cNvPr>
+          <p:cNvSpPr/>
+          <p:nvPr/>
+        </p:nvSpPr>
+        <p:spPr>
+          <a:xfrm>
+            <a:off x="8330389" y="1769319"/>
+            <a:ext cx="368299" cy="373308"/>
+          </a:xfrm>
+          <a:prstGeom prst="rect">
+            <a:avLst/>
+          </a:prstGeom>
+          <a:ln>
+            <a:noFill/>
+          </a:ln>
+        </p:spPr>
+        <p:style>
+          <a:lnRef idx="2">
+            <a:schemeClr val="accent3">
+              <a:shade val="50000"/>
+            </a:schemeClr>
+          </a:lnRef>
+          <a:fillRef idx="1">
+            <a:schemeClr val="accent3"/>
+          </a:fillRef>
+          <a:effectRef idx="0">
+            <a:schemeClr val="accent3"/>
+          </a:effectRef>
+          <a:fontRef idx="minor">
+            <a:schemeClr val="lt1"/>
+          </a:fontRef>
+        </p:style>
+        <p:txBody>
+          <a:bodyPr rtlCol="0" anchor="ctr"/>
+          <a:lstStyle>
+            <a:defPPr>
+              <a:defRPr lang="en-US"/>
+            </a:defPPr>
+            <a:lvl1pPr marL="0" algn="l" defTabSz="914400" rtl="0" eaLnBrk="1" latinLnBrk="0" hangingPunct="1">
+              <a:defRPr sz="1800" kern="1200">
+                <a:solidFill>
+                  <a:schemeClr val="lt1"/>
+                </a:solidFill>
+                <a:latin typeface="+mn-lt"/>
+                <a:ea typeface="+mn-ea"/>
+                <a:cs typeface="+mn-cs"/>
+              </a:defRPr>
+            </a:lvl1pPr>
+            <a:lvl2pPr marL="457200" algn="l" defTabSz="914400" rtl="0" eaLnBrk="1" latinLnBrk="0" hangingPunct="1">
+              <a:defRPr sz="1800" kern="1200">
+                <a:solidFill>
+                  <a:schemeClr val="lt1"/>
+                </a:solidFill>
+                <a:latin typeface="+mn-lt"/>
+                <a:ea typeface="+mn-ea"/>
+                <a:cs typeface="+mn-cs"/>
+              </a:defRPr>
+            </a:lvl2pPr>
+            <a:lvl3pPr marL="914400" algn="l" defTabSz="914400" rtl="0" eaLnBrk="1" latinLnBrk="0" hangingPunct="1">
+              <a:defRPr sz="1800" kern="1200">
+                <a:solidFill>
+                  <a:schemeClr val="lt1"/>
+                </a:solidFill>
+                <a:latin typeface="+mn-lt"/>
+                <a:ea typeface="+mn-ea"/>
+                <a:cs typeface="+mn-cs"/>
+              </a:defRPr>
+            </a:lvl3pPr>
+            <a:lvl4pPr marL="1371600" algn="l" defTabSz="914400" rtl="0" eaLnBrk="1" latinLnBrk="0" hangingPunct="1">
+              <a:defRPr sz="1800" kern="1200">
+                <a:solidFill>
+                  <a:schemeClr val="lt1"/>
+                </a:solidFill>
+                <a:latin typeface="+mn-lt"/>
+                <a:ea typeface="+mn-ea"/>
+                <a:cs typeface="+mn-cs"/>
+              </a:defRPr>
+            </a:lvl4pPr>
+            <a:lvl5pPr marL="1828800" algn="l" defTabSz="914400" rtl="0" eaLnBrk="1" latinLnBrk="0" hangingPunct="1">
+              <a:defRPr sz="1800" kern="1200">
+                <a:solidFill>
+                  <a:schemeClr val="lt1"/>
+                </a:solidFill>
+                <a:latin typeface="+mn-lt"/>
+                <a:ea typeface="+mn-ea"/>
+                <a:cs typeface="+mn-cs"/>
+              </a:defRPr>
+            </a:lvl5pPr>
+            <a:lvl6pPr marL="2286000" algn="l" defTabSz="914400" rtl="0" eaLnBrk="1" latinLnBrk="0" hangingPunct="1">
+              <a:defRPr sz="1800" kern="1200">
+                <a:solidFill>
+                  <a:schemeClr val="lt1"/>
+                </a:solidFill>
+                <a:latin typeface="+mn-lt"/>
+                <a:ea typeface="+mn-ea"/>
+                <a:cs typeface="+mn-cs"/>
+              </a:defRPr>
+            </a:lvl6pPr>
+            <a:lvl7pPr marL="2743200" algn="l" defTabSz="914400" rtl="0" eaLnBrk="1" latinLnBrk="0" hangingPunct="1">
+              <a:defRPr sz="1800" kern="1200">
+                <a:solidFill>
+                  <a:schemeClr val="lt1"/>
+                </a:solidFill>
+                <a:latin typeface="+mn-lt"/>
+                <a:ea typeface="+mn-ea"/>
+                <a:cs typeface="+mn-cs"/>
+              </a:defRPr>
+            </a:lvl7pPr>
+            <a:lvl8pPr marL="3200400" algn="l" defTabSz="914400" rtl="0" eaLnBrk="1" latinLnBrk="0" hangingPunct="1">
+              <a:defRPr sz="1800" kern="1200">
+                <a:solidFill>
+                  <a:schemeClr val="lt1"/>
+                </a:solidFill>
+                <a:latin typeface="+mn-lt"/>
+                <a:ea typeface="+mn-ea"/>
+                <a:cs typeface="+mn-cs"/>
+              </a:defRPr>
+            </a:lvl8pPr>
+            <a:lvl9pPr marL="3657600" algn="l" defTabSz="914400" rtl="0" eaLnBrk="1" latinLnBrk="0" hangingPunct="1">
+              <a:defRPr sz="1800" kern="1200">
+                <a:solidFill>
+                  <a:schemeClr val="lt1"/>
+                </a:solidFill>
+                <a:latin typeface="+mn-lt"/>
+                <a:ea typeface="+mn-ea"/>
+                <a:cs typeface="+mn-cs"/>
+              </a:defRPr>
+            </a:lvl9pPr>
+          </a:lstStyle>
+          <a:p>
+            <a:pPr algn="ctr"/>
+            <a:endParaRPr lang="en-US"/>
+          </a:p>
+        </p:txBody>
+      </p:sp>
+      <p:sp>
+        <p:nvSpPr>
+          <p:cNvPr id="36" name="矩形 35">
+            <a:extLst>
+              <a:ext uri="{FF2B5EF4-FFF2-40B4-BE49-F238E27FC236}">
+                <a16:creationId xmlns:a16="http://schemas.microsoft.com/office/drawing/2014/main" id="{220FC0C7-44B5-4BB2-ADF4-1797D95010DE}"/>
+              </a:ext>
+            </a:extLst>
+          </p:cNvPr>
+          <p:cNvSpPr/>
+          <p:nvPr/>
+        </p:nvSpPr>
+        <p:spPr>
+          <a:xfrm rot="5400000">
+            <a:off x="8175100" y="1841718"/>
+            <a:ext cx="181839" cy="228509"/>
+          </a:xfrm>
+          <a:prstGeom prst="rect">
+            <a:avLst/>
+          </a:prstGeom>
+          <a:ln>
+            <a:noFill/>
+          </a:ln>
+        </p:spPr>
+        <p:style>
+          <a:lnRef idx="2">
+            <a:schemeClr val="accent3">
+              <a:shade val="50000"/>
+            </a:schemeClr>
+          </a:lnRef>
+          <a:fillRef idx="1">
+            <a:schemeClr val="accent3"/>
+          </a:fillRef>
+          <a:effectRef idx="0">
+            <a:schemeClr val="accent3"/>
+          </a:effectRef>
+          <a:fontRef idx="minor">
+            <a:schemeClr val="lt1"/>
+          </a:fontRef>
+        </p:style>
+        <p:txBody>
+          <a:bodyPr rtlCol="0" anchor="ctr"/>
+          <a:lstStyle>
+            <a:defPPr>
+              <a:defRPr lang="en-US"/>
+            </a:defPPr>
+            <a:lvl1pPr marL="0" algn="l" defTabSz="914400" rtl="0" eaLnBrk="1" latinLnBrk="0" hangingPunct="1">
+              <a:defRPr sz="1800" kern="1200">
+                <a:solidFill>
+                  <a:schemeClr val="lt1"/>
+                </a:solidFill>
+                <a:latin typeface="+mn-lt"/>
+                <a:ea typeface="+mn-ea"/>
+                <a:cs typeface="+mn-cs"/>
+              </a:defRPr>
+            </a:lvl1pPr>
+            <a:lvl2pPr marL="457200" algn="l" defTabSz="914400" rtl="0" eaLnBrk="1" latinLnBrk="0" hangingPunct="1">
+              <a:defRPr sz="1800" kern="1200">
+                <a:solidFill>
+                  <a:schemeClr val="lt1"/>
+                </a:solidFill>
+                <a:latin typeface="+mn-lt"/>
+                <a:ea typeface="+mn-ea"/>
+                <a:cs typeface="+mn-cs"/>
+              </a:defRPr>
+            </a:lvl2pPr>
+            <a:lvl3pPr marL="914400" algn="l" defTabSz="914400" rtl="0" eaLnBrk="1" latinLnBrk="0" hangingPunct="1">
+              <a:defRPr sz="1800" kern="1200">
+                <a:solidFill>
+                  <a:schemeClr val="lt1"/>
+                </a:solidFill>
+                <a:latin typeface="+mn-lt"/>
+                <a:ea typeface="+mn-ea"/>
+                <a:cs typeface="+mn-cs"/>
+              </a:defRPr>
+            </a:lvl3pPr>
+            <a:lvl4pPr marL="1371600" algn="l" defTabSz="914400" rtl="0" eaLnBrk="1" latinLnBrk="0" hangingPunct="1">
+              <a:defRPr sz="1800" kern="1200">
+                <a:solidFill>
+                  <a:schemeClr val="lt1"/>
+                </a:solidFill>
+                <a:latin typeface="+mn-lt"/>
+                <a:ea typeface="+mn-ea"/>
+                <a:cs typeface="+mn-cs"/>
+              </a:defRPr>
+            </a:lvl4pPr>
+            <a:lvl5pPr marL="1828800" algn="l" defTabSz="914400" rtl="0" eaLnBrk="1" latinLnBrk="0" hangingPunct="1">
+              <a:defRPr sz="1800" kern="1200">
+                <a:solidFill>
+                  <a:schemeClr val="lt1"/>
+                </a:solidFill>
+                <a:latin typeface="+mn-lt"/>
+                <a:ea typeface="+mn-ea"/>
+                <a:cs typeface="+mn-cs"/>
+              </a:defRPr>
+            </a:lvl5pPr>
+            <a:lvl6pPr marL="2286000" algn="l" defTabSz="914400" rtl="0" eaLnBrk="1" latinLnBrk="0" hangingPunct="1">
+              <a:defRPr sz="1800" kern="1200">
+                <a:solidFill>
+                  <a:schemeClr val="lt1"/>
+                </a:solidFill>
+                <a:latin typeface="+mn-lt"/>
+                <a:ea typeface="+mn-ea"/>
+                <a:cs typeface="+mn-cs"/>
+              </a:defRPr>
+            </a:lvl6pPr>
+            <a:lvl7pPr marL="2743200" algn="l" defTabSz="914400" rtl="0" eaLnBrk="1" latinLnBrk="0" hangingPunct="1">
+              <a:defRPr sz="1800" kern="1200">
+                <a:solidFill>
+                  <a:schemeClr val="lt1"/>
+                </a:solidFill>
+                <a:latin typeface="+mn-lt"/>
+                <a:ea typeface="+mn-ea"/>
+                <a:cs typeface="+mn-cs"/>
+              </a:defRPr>
+            </a:lvl7pPr>
+            <a:lvl8pPr marL="3200400" algn="l" defTabSz="914400" rtl="0" eaLnBrk="1" latinLnBrk="0" hangingPunct="1">
+              <a:defRPr sz="1800" kern="1200">
+                <a:solidFill>
+                  <a:schemeClr val="lt1"/>
+                </a:solidFill>
+                <a:latin typeface="+mn-lt"/>
+                <a:ea typeface="+mn-ea"/>
+                <a:cs typeface="+mn-cs"/>
+              </a:defRPr>
+            </a:lvl8pPr>
+            <a:lvl9pPr marL="3657600" algn="l" defTabSz="914400" rtl="0" eaLnBrk="1" latinLnBrk="0" hangingPunct="1">
+              <a:defRPr sz="1800" kern="1200">
+                <a:solidFill>
+                  <a:schemeClr val="lt1"/>
+                </a:solidFill>
+                <a:latin typeface="+mn-lt"/>
+                <a:ea typeface="+mn-ea"/>
+                <a:cs typeface="+mn-cs"/>
+              </a:defRPr>
+            </a:lvl9pPr>
+          </a:lstStyle>
+          <a:p>
+            <a:pPr algn="ctr"/>
+            <a:endParaRPr lang="en-US"/>
+          </a:p>
+        </p:txBody>
+      </p:sp>
+      <p:sp>
+        <p:nvSpPr>
+          <p:cNvPr id="37" name="矩形 36">
+            <a:extLst>
+              <a:ext uri="{FF2B5EF4-FFF2-40B4-BE49-F238E27FC236}">
+                <a16:creationId xmlns:a16="http://schemas.microsoft.com/office/drawing/2014/main" id="{0B730DE3-B1A3-42A4-A268-ED5EFE94314B}"/>
+              </a:ext>
+            </a:extLst>
+          </p:cNvPr>
+          <p:cNvSpPr/>
+          <p:nvPr/>
+        </p:nvSpPr>
+        <p:spPr>
+          <a:xfrm>
+            <a:off x="7816657" y="1769318"/>
+            <a:ext cx="368299" cy="373308"/>
+          </a:xfrm>
+          <a:prstGeom prst="rect">
+            <a:avLst/>
+          </a:prstGeom>
+          <a:solidFill>
+            <a:srgbClr val="A5A5A5"/>
+          </a:solidFill>
+          <a:ln>
+            <a:noFill/>
+          </a:ln>
+        </p:spPr>
+        <p:style>
+          <a:lnRef idx="2">
+            <a:schemeClr val="accent3">
+              <a:shade val="50000"/>
+            </a:schemeClr>
+          </a:lnRef>
+          <a:fillRef idx="1">
+            <a:schemeClr val="accent3"/>
+          </a:fillRef>
+          <a:effectRef idx="0">
+            <a:schemeClr val="accent3"/>
+          </a:effectRef>
+          <a:fontRef idx="minor">
+            <a:schemeClr val="lt1"/>
+          </a:fontRef>
+        </p:style>
+        <p:txBody>
+          <a:bodyPr rtlCol="0" anchor="ctr"/>
+          <a:lstStyle>
+            <a:defPPr>
+              <a:defRPr lang="en-US"/>
+            </a:defPPr>
+            <a:lvl1pPr marL="0" algn="l" defTabSz="914400" rtl="0" eaLnBrk="1" latinLnBrk="0" hangingPunct="1">
+              <a:defRPr sz="1800" kern="1200">
+                <a:solidFill>
+                  <a:schemeClr val="lt1"/>
+                </a:solidFill>
+                <a:latin typeface="+mn-lt"/>
+                <a:ea typeface="+mn-ea"/>
+                <a:cs typeface="+mn-cs"/>
+              </a:defRPr>
+            </a:lvl1pPr>
+            <a:lvl2pPr marL="457200" algn="l" defTabSz="914400" rtl="0" eaLnBrk="1" latinLnBrk="0" hangingPunct="1">
+              <a:defRPr sz="1800" kern="1200">
+                <a:solidFill>
+                  <a:schemeClr val="lt1"/>
+                </a:solidFill>
+                <a:latin typeface="+mn-lt"/>
+                <a:ea typeface="+mn-ea"/>
+                <a:cs typeface="+mn-cs"/>
+              </a:defRPr>
+            </a:lvl2pPr>
+            <a:lvl3pPr marL="914400" algn="l" defTabSz="914400" rtl="0" eaLnBrk="1" latinLnBrk="0" hangingPunct="1">
+              <a:defRPr sz="1800" kern="1200">
+                <a:solidFill>
+                  <a:schemeClr val="lt1"/>
+                </a:solidFill>
+                <a:latin typeface="+mn-lt"/>
+                <a:ea typeface="+mn-ea"/>
+                <a:cs typeface="+mn-cs"/>
+              </a:defRPr>
+            </a:lvl3pPr>
+            <a:lvl4pPr marL="1371600" algn="l" defTabSz="914400" rtl="0" eaLnBrk="1" latinLnBrk="0" hangingPunct="1">
+              <a:defRPr sz="1800" kern="1200">
+                <a:solidFill>
+                  <a:schemeClr val="lt1"/>
+                </a:solidFill>
+                <a:latin typeface="+mn-lt"/>
+                <a:ea typeface="+mn-ea"/>
+                <a:cs typeface="+mn-cs"/>
+              </a:defRPr>
+            </a:lvl4pPr>
+            <a:lvl5pPr marL="1828800" algn="l" defTabSz="914400" rtl="0" eaLnBrk="1" latinLnBrk="0" hangingPunct="1">
+              <a:defRPr sz="1800" kern="1200">
+                <a:solidFill>
+                  <a:schemeClr val="lt1"/>
+                </a:solidFill>
+                <a:latin typeface="+mn-lt"/>
+                <a:ea typeface="+mn-ea"/>
+                <a:cs typeface="+mn-cs"/>
+              </a:defRPr>
+            </a:lvl5pPr>
+            <a:lvl6pPr marL="2286000" algn="l" defTabSz="914400" rtl="0" eaLnBrk="1" latinLnBrk="0" hangingPunct="1">
+              <a:defRPr sz="1800" kern="1200">
+                <a:solidFill>
+                  <a:schemeClr val="lt1"/>
+                </a:solidFill>
+                <a:latin typeface="+mn-lt"/>
+                <a:ea typeface="+mn-ea"/>
+                <a:cs typeface="+mn-cs"/>
+              </a:defRPr>
+            </a:lvl6pPr>
+            <a:lvl7pPr marL="2743200" algn="l" defTabSz="914400" rtl="0" eaLnBrk="1" latinLnBrk="0" hangingPunct="1">
+              <a:defRPr sz="1800" kern="1200">
+                <a:solidFill>
+                  <a:schemeClr val="lt1"/>
+                </a:solidFill>
+                <a:latin typeface="+mn-lt"/>
+                <a:ea typeface="+mn-ea"/>
+                <a:cs typeface="+mn-cs"/>
+              </a:defRPr>
+            </a:lvl7pPr>
+            <a:lvl8pPr marL="3200400" algn="l" defTabSz="914400" rtl="0" eaLnBrk="1" latinLnBrk="0" hangingPunct="1">
+              <a:defRPr sz="1800" kern="1200">
+                <a:solidFill>
+                  <a:schemeClr val="lt1"/>
+                </a:solidFill>
+                <a:latin typeface="+mn-lt"/>
+                <a:ea typeface="+mn-ea"/>
+                <a:cs typeface="+mn-cs"/>
+              </a:defRPr>
+            </a:lvl8pPr>
+            <a:lvl9pPr marL="3657600" algn="l" defTabSz="914400" rtl="0" eaLnBrk="1" latinLnBrk="0" hangingPunct="1">
+              <a:defRPr sz="1800" kern="1200">
+                <a:solidFill>
+                  <a:schemeClr val="lt1"/>
+                </a:solidFill>
+                <a:latin typeface="+mn-lt"/>
+                <a:ea typeface="+mn-ea"/>
+                <a:cs typeface="+mn-cs"/>
+              </a:defRPr>
+            </a:lvl9pPr>
+          </a:lstStyle>
+          <a:p>
+            <a:pPr algn="ctr"/>
+            <a:endParaRPr lang="en-US"/>
+          </a:p>
+        </p:txBody>
+      </p:sp>
+      <p:sp>
+        <p:nvSpPr>
+          <p:cNvPr id="49" name="矩形 48">
+            <a:extLst>
+              <a:ext uri="{FF2B5EF4-FFF2-40B4-BE49-F238E27FC236}">
+                <a16:creationId xmlns:a16="http://schemas.microsoft.com/office/drawing/2014/main" id="{95868547-4B05-4014-A6F0-BBB4B874A7EE}"/>
+              </a:ext>
+            </a:extLst>
+          </p:cNvPr>
+          <p:cNvSpPr/>
+          <p:nvPr/>
+        </p:nvSpPr>
+        <p:spPr>
+          <a:xfrm>
+            <a:off x="8330389" y="1214634"/>
+            <a:ext cx="368299" cy="373308"/>
+          </a:xfrm>
+          <a:prstGeom prst="rect">
+            <a:avLst/>
+          </a:prstGeom>
+          <a:ln>
+            <a:noFill/>
+          </a:ln>
+        </p:spPr>
+        <p:style>
+          <a:lnRef idx="2">
+            <a:schemeClr val="accent3">
+              <a:shade val="50000"/>
+            </a:schemeClr>
+          </a:lnRef>
+          <a:fillRef idx="1">
+            <a:schemeClr val="accent3"/>
+          </a:fillRef>
+          <a:effectRef idx="0">
+            <a:schemeClr val="accent3"/>
+          </a:effectRef>
+          <a:fontRef idx="minor">
+            <a:schemeClr val="lt1"/>
+          </a:fontRef>
+        </p:style>
+        <p:txBody>
+          <a:bodyPr rtlCol="0" anchor="ctr"/>
+          <a:lstStyle>
+            <a:defPPr>
+              <a:defRPr lang="en-US"/>
+            </a:defPPr>
+            <a:lvl1pPr marL="0" algn="l" defTabSz="914400" rtl="0" eaLnBrk="1" latinLnBrk="0" hangingPunct="1">
+              <a:defRPr sz="1800" kern="1200">
+                <a:solidFill>
+                  <a:schemeClr val="lt1"/>
+                </a:solidFill>
+                <a:latin typeface="+mn-lt"/>
+                <a:ea typeface="+mn-ea"/>
+                <a:cs typeface="+mn-cs"/>
+              </a:defRPr>
+            </a:lvl1pPr>
+            <a:lvl2pPr marL="457200" algn="l" defTabSz="914400" rtl="0" eaLnBrk="1" latinLnBrk="0" hangingPunct="1">
+              <a:defRPr sz="1800" kern="1200">
+                <a:solidFill>
+                  <a:schemeClr val="lt1"/>
+                </a:solidFill>
+                <a:latin typeface="+mn-lt"/>
+                <a:ea typeface="+mn-ea"/>
+                <a:cs typeface="+mn-cs"/>
+              </a:defRPr>
+            </a:lvl2pPr>
+            <a:lvl3pPr marL="914400" algn="l" defTabSz="914400" rtl="0" eaLnBrk="1" latinLnBrk="0" hangingPunct="1">
+              <a:defRPr sz="1800" kern="1200">
+                <a:solidFill>
+                  <a:schemeClr val="lt1"/>
+                </a:solidFill>
+                <a:latin typeface="+mn-lt"/>
+                <a:ea typeface="+mn-ea"/>
+                <a:cs typeface="+mn-cs"/>
+              </a:defRPr>
+            </a:lvl3pPr>
+            <a:lvl4pPr marL="1371600" algn="l" defTabSz="914400" rtl="0" eaLnBrk="1" latinLnBrk="0" hangingPunct="1">
+              <a:defRPr sz="1800" kern="1200">
+                <a:solidFill>
+                  <a:schemeClr val="lt1"/>
+                </a:solidFill>
+                <a:latin typeface="+mn-lt"/>
+                <a:ea typeface="+mn-ea"/>
+                <a:cs typeface="+mn-cs"/>
+              </a:defRPr>
+            </a:lvl4pPr>
+            <a:lvl5pPr marL="1828800" algn="l" defTabSz="914400" rtl="0" eaLnBrk="1" latinLnBrk="0" hangingPunct="1">
+              <a:defRPr sz="1800" kern="1200">
+                <a:solidFill>
+                  <a:schemeClr val="lt1"/>
+                </a:solidFill>
+                <a:latin typeface="+mn-lt"/>
+                <a:ea typeface="+mn-ea"/>
+                <a:cs typeface="+mn-cs"/>
+              </a:defRPr>
+            </a:lvl5pPr>
+            <a:lvl6pPr marL="2286000" algn="l" defTabSz="914400" rtl="0" eaLnBrk="1" latinLnBrk="0" hangingPunct="1">
+              <a:defRPr sz="1800" kern="1200">
+                <a:solidFill>
+                  <a:schemeClr val="lt1"/>
+                </a:solidFill>
+                <a:latin typeface="+mn-lt"/>
+                <a:ea typeface="+mn-ea"/>
+                <a:cs typeface="+mn-cs"/>
+              </a:defRPr>
+            </a:lvl6pPr>
+            <a:lvl7pPr marL="2743200" algn="l" defTabSz="914400" rtl="0" eaLnBrk="1" latinLnBrk="0" hangingPunct="1">
+              <a:defRPr sz="1800" kern="1200">
+                <a:solidFill>
+                  <a:schemeClr val="lt1"/>
+                </a:solidFill>
+                <a:latin typeface="+mn-lt"/>
+                <a:ea typeface="+mn-ea"/>
+                <a:cs typeface="+mn-cs"/>
+              </a:defRPr>
+            </a:lvl7pPr>
+            <a:lvl8pPr marL="3200400" algn="l" defTabSz="914400" rtl="0" eaLnBrk="1" latinLnBrk="0" hangingPunct="1">
+              <a:defRPr sz="1800" kern="1200">
+                <a:solidFill>
+                  <a:schemeClr val="lt1"/>
+                </a:solidFill>
+                <a:latin typeface="+mn-lt"/>
+                <a:ea typeface="+mn-ea"/>
+                <a:cs typeface="+mn-cs"/>
+              </a:defRPr>
+            </a:lvl8pPr>
+            <a:lvl9pPr marL="3657600" algn="l" defTabSz="914400" rtl="0" eaLnBrk="1" latinLnBrk="0" hangingPunct="1">
+              <a:defRPr sz="1800" kern="1200">
+                <a:solidFill>
+                  <a:schemeClr val="lt1"/>
+                </a:solidFill>
+                <a:latin typeface="+mn-lt"/>
+                <a:ea typeface="+mn-ea"/>
+                <a:cs typeface="+mn-cs"/>
+              </a:defRPr>
+            </a:lvl9pPr>
+          </a:lstStyle>
+          <a:p>
+            <a:pPr algn="ctr"/>
+            <a:endParaRPr lang="en-US"/>
+          </a:p>
+        </p:txBody>
+      </p:sp>
+      <p:sp>
+        <p:nvSpPr>
+          <p:cNvPr id="50" name="矩形 49">
+            <a:extLst>
+              <a:ext uri="{FF2B5EF4-FFF2-40B4-BE49-F238E27FC236}">
+                <a16:creationId xmlns:a16="http://schemas.microsoft.com/office/drawing/2014/main" id="{403AA676-5505-411D-AEAE-C59200769FE0}"/>
+              </a:ext>
+            </a:extLst>
+          </p:cNvPr>
+          <p:cNvSpPr/>
+          <p:nvPr/>
+        </p:nvSpPr>
+        <p:spPr>
+          <a:xfrm rot="5400000">
+            <a:off x="8175100" y="1287033"/>
+            <a:ext cx="181839" cy="228509"/>
+          </a:xfrm>
+          <a:prstGeom prst="rect">
+            <a:avLst/>
+          </a:prstGeom>
+          <a:ln>
+            <a:noFill/>
+          </a:ln>
+        </p:spPr>
+        <p:style>
+          <a:lnRef idx="2">
+            <a:schemeClr val="accent3">
+              <a:shade val="50000"/>
+            </a:schemeClr>
+          </a:lnRef>
+          <a:fillRef idx="1">
+            <a:schemeClr val="accent3"/>
+          </a:fillRef>
+          <a:effectRef idx="0">
+            <a:schemeClr val="accent3"/>
+          </a:effectRef>
+          <a:fontRef idx="minor">
+            <a:schemeClr val="lt1"/>
+          </a:fontRef>
+        </p:style>
+        <p:txBody>
+          <a:bodyPr rtlCol="0" anchor="ctr"/>
+          <a:lstStyle>
+            <a:defPPr>
+              <a:defRPr lang="en-US"/>
+            </a:defPPr>
+            <a:lvl1pPr marL="0" algn="l" defTabSz="914400" rtl="0" eaLnBrk="1" latinLnBrk="0" hangingPunct="1">
+              <a:defRPr sz="1800" kern="1200">
+                <a:solidFill>
+                  <a:schemeClr val="lt1"/>
+                </a:solidFill>
+                <a:latin typeface="+mn-lt"/>
+                <a:ea typeface="+mn-ea"/>
+                <a:cs typeface="+mn-cs"/>
+              </a:defRPr>
+            </a:lvl1pPr>
+            <a:lvl2pPr marL="457200" algn="l" defTabSz="914400" rtl="0" eaLnBrk="1" latinLnBrk="0" hangingPunct="1">
+              <a:defRPr sz="1800" kern="1200">
+                <a:solidFill>
+                  <a:schemeClr val="lt1"/>
+                </a:solidFill>
+                <a:latin typeface="+mn-lt"/>
+                <a:ea typeface="+mn-ea"/>
+                <a:cs typeface="+mn-cs"/>
+              </a:defRPr>
+            </a:lvl2pPr>
+            <a:lvl3pPr marL="914400" algn="l" defTabSz="914400" rtl="0" eaLnBrk="1" latinLnBrk="0" hangingPunct="1">
+              <a:defRPr sz="1800" kern="1200">
+                <a:solidFill>
+                  <a:schemeClr val="lt1"/>
+                </a:solidFill>
+                <a:latin typeface="+mn-lt"/>
+                <a:ea typeface="+mn-ea"/>
+                <a:cs typeface="+mn-cs"/>
+              </a:defRPr>
+            </a:lvl3pPr>
+            <a:lvl4pPr marL="1371600" algn="l" defTabSz="914400" rtl="0" eaLnBrk="1" latinLnBrk="0" hangingPunct="1">
+              <a:defRPr sz="1800" kern="1200">
+                <a:solidFill>
+                  <a:schemeClr val="lt1"/>
+                </a:solidFill>
+                <a:latin typeface="+mn-lt"/>
+                <a:ea typeface="+mn-ea"/>
+                <a:cs typeface="+mn-cs"/>
+              </a:defRPr>
+            </a:lvl4pPr>
+            <a:lvl5pPr marL="1828800" algn="l" defTabSz="914400" rtl="0" eaLnBrk="1" latinLnBrk="0" hangingPunct="1">
+              <a:defRPr sz="1800" kern="1200">
+                <a:solidFill>
+                  <a:schemeClr val="lt1"/>
+                </a:solidFill>
+                <a:latin typeface="+mn-lt"/>
+                <a:ea typeface="+mn-ea"/>
+                <a:cs typeface="+mn-cs"/>
+              </a:defRPr>
+            </a:lvl5pPr>
+            <a:lvl6pPr marL="2286000" algn="l" defTabSz="914400" rtl="0" eaLnBrk="1" latinLnBrk="0" hangingPunct="1">
+              <a:defRPr sz="1800" kern="1200">
+                <a:solidFill>
+                  <a:schemeClr val="lt1"/>
+                </a:solidFill>
+                <a:latin typeface="+mn-lt"/>
+                <a:ea typeface="+mn-ea"/>
+                <a:cs typeface="+mn-cs"/>
+              </a:defRPr>
+            </a:lvl6pPr>
+            <a:lvl7pPr marL="2743200" algn="l" defTabSz="914400" rtl="0" eaLnBrk="1" latinLnBrk="0" hangingPunct="1">
+              <a:defRPr sz="1800" kern="1200">
+                <a:solidFill>
+                  <a:schemeClr val="lt1"/>
+                </a:solidFill>
+                <a:latin typeface="+mn-lt"/>
+                <a:ea typeface="+mn-ea"/>
+                <a:cs typeface="+mn-cs"/>
+              </a:defRPr>
+            </a:lvl7pPr>
+            <a:lvl8pPr marL="3200400" algn="l" defTabSz="914400" rtl="0" eaLnBrk="1" latinLnBrk="0" hangingPunct="1">
+              <a:defRPr sz="1800" kern="1200">
+                <a:solidFill>
+                  <a:schemeClr val="lt1"/>
+                </a:solidFill>
+                <a:latin typeface="+mn-lt"/>
+                <a:ea typeface="+mn-ea"/>
+                <a:cs typeface="+mn-cs"/>
+              </a:defRPr>
+            </a:lvl8pPr>
+            <a:lvl9pPr marL="3657600" algn="l" defTabSz="914400" rtl="0" eaLnBrk="1" latinLnBrk="0" hangingPunct="1">
+              <a:defRPr sz="1800" kern="1200">
+                <a:solidFill>
+                  <a:schemeClr val="lt1"/>
+                </a:solidFill>
+                <a:latin typeface="+mn-lt"/>
+                <a:ea typeface="+mn-ea"/>
+                <a:cs typeface="+mn-cs"/>
+              </a:defRPr>
+            </a:lvl9pPr>
+          </a:lstStyle>
+          <a:p>
+            <a:pPr algn="ctr"/>
+            <a:endParaRPr lang="en-US"/>
+          </a:p>
+        </p:txBody>
+      </p:sp>
+      <p:sp>
+        <p:nvSpPr>
+          <p:cNvPr id="52" name="矩形 51">
+            <a:extLst>
+              <a:ext uri="{FF2B5EF4-FFF2-40B4-BE49-F238E27FC236}">
+                <a16:creationId xmlns:a16="http://schemas.microsoft.com/office/drawing/2014/main" id="{6AEDC7F4-8C88-4DA3-A555-E797DF9BDAA7}"/>
+              </a:ext>
+            </a:extLst>
+          </p:cNvPr>
+          <p:cNvSpPr/>
+          <p:nvPr/>
+        </p:nvSpPr>
+        <p:spPr>
+          <a:xfrm>
+            <a:off x="7816657" y="1214633"/>
+            <a:ext cx="368299" cy="373308"/>
+          </a:xfrm>
+          <a:prstGeom prst="rect">
+            <a:avLst/>
+          </a:prstGeom>
+          <a:solidFill>
+            <a:srgbClr val="A5A5A5"/>
+          </a:solidFill>
+          <a:ln>
+            <a:noFill/>
+          </a:ln>
+        </p:spPr>
+        <p:style>
+          <a:lnRef idx="2">
+            <a:schemeClr val="accent3">
+              <a:shade val="50000"/>
+            </a:schemeClr>
+          </a:lnRef>
+          <a:fillRef idx="1">
+            <a:schemeClr val="accent3"/>
+          </a:fillRef>
+          <a:effectRef idx="0">
+            <a:schemeClr val="accent3"/>
+          </a:effectRef>
+          <a:fontRef idx="minor">
+            <a:schemeClr val="lt1"/>
+          </a:fontRef>
+        </p:style>
+        <p:txBody>
+          <a:bodyPr rtlCol="0" anchor="ctr"/>
+          <a:lstStyle>
+            <a:defPPr>
+              <a:defRPr lang="en-US"/>
+            </a:defPPr>
+            <a:lvl1pPr marL="0" algn="l" defTabSz="914400" rtl="0" eaLnBrk="1" latinLnBrk="0" hangingPunct="1">
+              <a:defRPr sz="1800" kern="1200">
+                <a:solidFill>
+                  <a:schemeClr val="lt1"/>
+                </a:solidFill>
+                <a:latin typeface="+mn-lt"/>
+                <a:ea typeface="+mn-ea"/>
+                <a:cs typeface="+mn-cs"/>
+              </a:defRPr>
+            </a:lvl1pPr>
+            <a:lvl2pPr marL="457200" algn="l" defTabSz="914400" rtl="0" eaLnBrk="1" latinLnBrk="0" hangingPunct="1">
+              <a:defRPr sz="1800" kern="1200">
+                <a:solidFill>
+                  <a:schemeClr val="lt1"/>
+                </a:solidFill>
+                <a:latin typeface="+mn-lt"/>
+                <a:ea typeface="+mn-ea"/>
+                <a:cs typeface="+mn-cs"/>
+              </a:defRPr>
+            </a:lvl2pPr>
+            <a:lvl3pPr marL="914400" algn="l" defTabSz="914400" rtl="0" eaLnBrk="1" latinLnBrk="0" hangingPunct="1">
+              <a:defRPr sz="1800" kern="1200">
+                <a:solidFill>
+                  <a:schemeClr val="lt1"/>
+                </a:solidFill>
+                <a:latin typeface="+mn-lt"/>
+                <a:ea typeface="+mn-ea"/>
+                <a:cs typeface="+mn-cs"/>
+              </a:defRPr>
+            </a:lvl3pPr>
+            <a:lvl4pPr marL="1371600" algn="l" defTabSz="914400" rtl="0" eaLnBrk="1" latinLnBrk="0" hangingPunct="1">
+              <a:defRPr sz="1800" kern="1200">
+                <a:solidFill>
+                  <a:schemeClr val="lt1"/>
+                </a:solidFill>
+                <a:latin typeface="+mn-lt"/>
+                <a:ea typeface="+mn-ea"/>
+                <a:cs typeface="+mn-cs"/>
+              </a:defRPr>
+            </a:lvl4pPr>
+            <a:lvl5pPr marL="1828800" algn="l" defTabSz="914400" rtl="0" eaLnBrk="1" latinLnBrk="0" hangingPunct="1">
+              <a:defRPr sz="1800" kern="1200">
+                <a:solidFill>
+                  <a:schemeClr val="lt1"/>
+                </a:solidFill>
+                <a:latin typeface="+mn-lt"/>
+                <a:ea typeface="+mn-ea"/>
+                <a:cs typeface="+mn-cs"/>
+              </a:defRPr>
+            </a:lvl5pPr>
+            <a:lvl6pPr marL="2286000" algn="l" defTabSz="914400" rtl="0" eaLnBrk="1" latinLnBrk="0" hangingPunct="1">
+              <a:defRPr sz="1800" kern="1200">
+                <a:solidFill>
+                  <a:schemeClr val="lt1"/>
+                </a:solidFill>
+                <a:latin typeface="+mn-lt"/>
+                <a:ea typeface="+mn-ea"/>
+                <a:cs typeface="+mn-cs"/>
+              </a:defRPr>
+            </a:lvl6pPr>
+            <a:lvl7pPr marL="2743200" algn="l" defTabSz="914400" rtl="0" eaLnBrk="1" latinLnBrk="0" hangingPunct="1">
+              <a:defRPr sz="1800" kern="1200">
+                <a:solidFill>
+                  <a:schemeClr val="lt1"/>
+                </a:solidFill>
+                <a:latin typeface="+mn-lt"/>
+                <a:ea typeface="+mn-ea"/>
+                <a:cs typeface="+mn-cs"/>
+              </a:defRPr>
+            </a:lvl7pPr>
+            <a:lvl8pPr marL="3200400" algn="l" defTabSz="914400" rtl="0" eaLnBrk="1" latinLnBrk="0" hangingPunct="1">
+              <a:defRPr sz="1800" kern="1200">
+                <a:solidFill>
+                  <a:schemeClr val="lt1"/>
+                </a:solidFill>
+                <a:latin typeface="+mn-lt"/>
+                <a:ea typeface="+mn-ea"/>
+                <a:cs typeface="+mn-cs"/>
+              </a:defRPr>
+            </a:lvl8pPr>
+            <a:lvl9pPr marL="3657600" algn="l" defTabSz="914400" rtl="0" eaLnBrk="1" latinLnBrk="0" hangingPunct="1">
+              <a:defRPr sz="1800" kern="1200">
+                <a:solidFill>
+                  <a:schemeClr val="lt1"/>
+                </a:solidFill>
+                <a:latin typeface="+mn-lt"/>
+                <a:ea typeface="+mn-ea"/>
+                <a:cs typeface="+mn-cs"/>
+              </a:defRPr>
+            </a:lvl9pPr>
+          </a:lstStyle>
+          <a:p>
+            <a:pPr algn="ctr"/>
+            <a:endParaRPr lang="en-US"/>
+          </a:p>
+        </p:txBody>
+      </p:sp>
+      <p:sp>
+        <p:nvSpPr>
+          <p:cNvPr id="54" name="矩形 53">
+            <a:extLst>
+              <a:ext uri="{FF2B5EF4-FFF2-40B4-BE49-F238E27FC236}">
+                <a16:creationId xmlns:a16="http://schemas.microsoft.com/office/drawing/2014/main" id="{9DFC68EB-B80A-4743-AEB1-E90C85B2F840}"/>
+              </a:ext>
+            </a:extLst>
+          </p:cNvPr>
+          <p:cNvSpPr/>
+          <p:nvPr/>
+        </p:nvSpPr>
+        <p:spPr>
+          <a:xfrm>
+            <a:off x="8330389" y="2323540"/>
+            <a:ext cx="368299" cy="373308"/>
+          </a:xfrm>
+          <a:prstGeom prst="rect">
+            <a:avLst/>
+          </a:prstGeom>
+          <a:ln>
+            <a:noFill/>
+          </a:ln>
+        </p:spPr>
+        <p:style>
+          <a:lnRef idx="2">
+            <a:schemeClr val="accent3">
+              <a:shade val="50000"/>
+            </a:schemeClr>
+          </a:lnRef>
+          <a:fillRef idx="1">
+            <a:schemeClr val="accent3"/>
+          </a:fillRef>
+          <a:effectRef idx="0">
+            <a:schemeClr val="accent3"/>
+          </a:effectRef>
+          <a:fontRef idx="minor">
+            <a:schemeClr val="lt1"/>
+          </a:fontRef>
+        </p:style>
+        <p:txBody>
+          <a:bodyPr rtlCol="0" anchor="ctr"/>
+          <a:lstStyle>
+            <a:defPPr>
+              <a:defRPr lang="en-US"/>
+            </a:defPPr>
+            <a:lvl1pPr marL="0" algn="l" defTabSz="914400" rtl="0" eaLnBrk="1" latinLnBrk="0" hangingPunct="1">
+              <a:defRPr sz="1800" kern="1200">
+                <a:solidFill>
+                  <a:schemeClr val="lt1"/>
+                </a:solidFill>
+                <a:latin typeface="+mn-lt"/>
+                <a:ea typeface="+mn-ea"/>
+                <a:cs typeface="+mn-cs"/>
+              </a:defRPr>
+            </a:lvl1pPr>
+            <a:lvl2pPr marL="457200" algn="l" defTabSz="914400" rtl="0" eaLnBrk="1" latinLnBrk="0" hangingPunct="1">
+              <a:defRPr sz="1800" kern="1200">
+                <a:solidFill>
+                  <a:schemeClr val="lt1"/>
+                </a:solidFill>
+                <a:latin typeface="+mn-lt"/>
+                <a:ea typeface="+mn-ea"/>
+                <a:cs typeface="+mn-cs"/>
+              </a:defRPr>
+            </a:lvl2pPr>
+            <a:lvl3pPr marL="914400" algn="l" defTabSz="914400" rtl="0" eaLnBrk="1" latinLnBrk="0" hangingPunct="1">
+              <a:defRPr sz="1800" kern="1200">
+                <a:solidFill>
+                  <a:schemeClr val="lt1"/>
+                </a:solidFill>
+                <a:latin typeface="+mn-lt"/>
+                <a:ea typeface="+mn-ea"/>
+                <a:cs typeface="+mn-cs"/>
+              </a:defRPr>
+            </a:lvl3pPr>
+            <a:lvl4pPr marL="1371600" algn="l" defTabSz="914400" rtl="0" eaLnBrk="1" latinLnBrk="0" hangingPunct="1">
+              <a:defRPr sz="1800" kern="1200">
+                <a:solidFill>
+                  <a:schemeClr val="lt1"/>
+                </a:solidFill>
+                <a:latin typeface="+mn-lt"/>
+                <a:ea typeface="+mn-ea"/>
+                <a:cs typeface="+mn-cs"/>
+              </a:defRPr>
+            </a:lvl4pPr>
+            <a:lvl5pPr marL="1828800" algn="l" defTabSz="914400" rtl="0" eaLnBrk="1" latinLnBrk="0" hangingPunct="1">
+              <a:defRPr sz="1800" kern="1200">
+                <a:solidFill>
+                  <a:schemeClr val="lt1"/>
+                </a:solidFill>
+                <a:latin typeface="+mn-lt"/>
+                <a:ea typeface="+mn-ea"/>
+                <a:cs typeface="+mn-cs"/>
+              </a:defRPr>
+            </a:lvl5pPr>
+            <a:lvl6pPr marL="2286000" algn="l" defTabSz="914400" rtl="0" eaLnBrk="1" latinLnBrk="0" hangingPunct="1">
+              <a:defRPr sz="1800" kern="1200">
+                <a:solidFill>
+                  <a:schemeClr val="lt1"/>
+                </a:solidFill>
+                <a:latin typeface="+mn-lt"/>
+                <a:ea typeface="+mn-ea"/>
+                <a:cs typeface="+mn-cs"/>
+              </a:defRPr>
+            </a:lvl6pPr>
+            <a:lvl7pPr marL="2743200" algn="l" defTabSz="914400" rtl="0" eaLnBrk="1" latinLnBrk="0" hangingPunct="1">
+              <a:defRPr sz="1800" kern="1200">
+                <a:solidFill>
+                  <a:schemeClr val="lt1"/>
+                </a:solidFill>
+                <a:latin typeface="+mn-lt"/>
+                <a:ea typeface="+mn-ea"/>
+                <a:cs typeface="+mn-cs"/>
+              </a:defRPr>
+            </a:lvl7pPr>
+            <a:lvl8pPr marL="3200400" algn="l" defTabSz="914400" rtl="0" eaLnBrk="1" latinLnBrk="0" hangingPunct="1">
+              <a:defRPr sz="1800" kern="1200">
+                <a:solidFill>
+                  <a:schemeClr val="lt1"/>
+                </a:solidFill>
+                <a:latin typeface="+mn-lt"/>
+                <a:ea typeface="+mn-ea"/>
+                <a:cs typeface="+mn-cs"/>
+              </a:defRPr>
+            </a:lvl8pPr>
+            <a:lvl9pPr marL="3657600" algn="l" defTabSz="914400" rtl="0" eaLnBrk="1" latinLnBrk="0" hangingPunct="1">
+              <a:defRPr sz="1800" kern="1200">
+                <a:solidFill>
+                  <a:schemeClr val="lt1"/>
+                </a:solidFill>
+                <a:latin typeface="+mn-lt"/>
+                <a:ea typeface="+mn-ea"/>
+                <a:cs typeface="+mn-cs"/>
+              </a:defRPr>
+            </a:lvl9pPr>
+          </a:lstStyle>
+          <a:p>
+            <a:pPr algn="ctr"/>
+            <a:endParaRPr lang="en-US"/>
+          </a:p>
+        </p:txBody>
+      </p:sp>
+      <p:sp>
+        <p:nvSpPr>
+          <p:cNvPr id="57" name="矩形 56">
+            <a:extLst>
+              <a:ext uri="{FF2B5EF4-FFF2-40B4-BE49-F238E27FC236}">
+                <a16:creationId xmlns:a16="http://schemas.microsoft.com/office/drawing/2014/main" id="{B2F8FE11-8140-4D77-A9ED-572C9053D7B9}"/>
+              </a:ext>
+            </a:extLst>
+          </p:cNvPr>
+          <p:cNvSpPr/>
+          <p:nvPr/>
+        </p:nvSpPr>
+        <p:spPr>
+          <a:xfrm>
+            <a:off x="7816657" y="2323539"/>
+            <a:ext cx="368299" cy="373308"/>
+          </a:xfrm>
+          <a:prstGeom prst="rect">
+            <a:avLst/>
+          </a:prstGeom>
+          <a:solidFill>
+            <a:srgbClr val="A5A5A5"/>
+          </a:solidFill>
+          <a:ln>
+            <a:noFill/>
+          </a:ln>
+        </p:spPr>
+        <p:style>
+          <a:lnRef idx="2">
+            <a:schemeClr val="accent3">
+              <a:shade val="50000"/>
+            </a:schemeClr>
+          </a:lnRef>
+          <a:fillRef idx="1">
+            <a:schemeClr val="accent3"/>
+          </a:fillRef>
+          <a:effectRef idx="0">
+            <a:schemeClr val="accent3"/>
+          </a:effectRef>
+          <a:fontRef idx="minor">
+            <a:schemeClr val="lt1"/>
+          </a:fontRef>
+        </p:style>
+        <p:txBody>
+          <a:bodyPr rtlCol="0" anchor="ctr"/>
+          <a:lstStyle>
+            <a:defPPr>
+              <a:defRPr lang="en-US"/>
+            </a:defPPr>
+            <a:lvl1pPr marL="0" algn="l" defTabSz="914400" rtl="0" eaLnBrk="1" latinLnBrk="0" hangingPunct="1">
+              <a:defRPr sz="1800" kern="1200">
+                <a:solidFill>
+                  <a:schemeClr val="lt1"/>
+                </a:solidFill>
+                <a:latin typeface="+mn-lt"/>
+                <a:ea typeface="+mn-ea"/>
+                <a:cs typeface="+mn-cs"/>
+              </a:defRPr>
+            </a:lvl1pPr>
+            <a:lvl2pPr marL="457200" algn="l" defTabSz="914400" rtl="0" eaLnBrk="1" latinLnBrk="0" hangingPunct="1">
+              <a:defRPr sz="1800" kern="1200">
+                <a:solidFill>
+                  <a:schemeClr val="lt1"/>
+                </a:solidFill>
+                <a:latin typeface="+mn-lt"/>
+                <a:ea typeface="+mn-ea"/>
+                <a:cs typeface="+mn-cs"/>
+              </a:defRPr>
+            </a:lvl2pPr>
+            <a:lvl3pPr marL="914400" algn="l" defTabSz="914400" rtl="0" eaLnBrk="1" latinLnBrk="0" hangingPunct="1">
+              <a:defRPr sz="1800" kern="1200">
+                <a:solidFill>
+                  <a:schemeClr val="lt1"/>
+                </a:solidFill>
+                <a:latin typeface="+mn-lt"/>
+                <a:ea typeface="+mn-ea"/>
+                <a:cs typeface="+mn-cs"/>
+              </a:defRPr>
+            </a:lvl3pPr>
+            <a:lvl4pPr marL="1371600" algn="l" defTabSz="914400" rtl="0" eaLnBrk="1" latinLnBrk="0" hangingPunct="1">
+              <a:defRPr sz="1800" kern="1200">
+                <a:solidFill>
+                  <a:schemeClr val="lt1"/>
+                </a:solidFill>
+                <a:latin typeface="+mn-lt"/>
+                <a:ea typeface="+mn-ea"/>
+                <a:cs typeface="+mn-cs"/>
+              </a:defRPr>
+            </a:lvl4pPr>
+            <a:lvl5pPr marL="1828800" algn="l" defTabSz="914400" rtl="0" eaLnBrk="1" latinLnBrk="0" hangingPunct="1">
+              <a:defRPr sz="1800" kern="1200">
+                <a:solidFill>
+                  <a:schemeClr val="lt1"/>
+                </a:solidFill>
+                <a:latin typeface="+mn-lt"/>
+                <a:ea typeface="+mn-ea"/>
+                <a:cs typeface="+mn-cs"/>
+              </a:defRPr>
+            </a:lvl5pPr>
+            <a:lvl6pPr marL="2286000" algn="l" defTabSz="914400" rtl="0" eaLnBrk="1" latinLnBrk="0" hangingPunct="1">
+              <a:defRPr sz="1800" kern="1200">
+                <a:solidFill>
+                  <a:schemeClr val="lt1"/>
+                </a:solidFill>
+                <a:latin typeface="+mn-lt"/>
+                <a:ea typeface="+mn-ea"/>
+                <a:cs typeface="+mn-cs"/>
+              </a:defRPr>
+            </a:lvl6pPr>
+            <a:lvl7pPr marL="2743200" algn="l" defTabSz="914400" rtl="0" eaLnBrk="1" latinLnBrk="0" hangingPunct="1">
+              <a:defRPr sz="1800" kern="1200">
+                <a:solidFill>
+                  <a:schemeClr val="lt1"/>
+                </a:solidFill>
+                <a:latin typeface="+mn-lt"/>
+                <a:ea typeface="+mn-ea"/>
+                <a:cs typeface="+mn-cs"/>
+              </a:defRPr>
+            </a:lvl7pPr>
+            <a:lvl8pPr marL="3200400" algn="l" defTabSz="914400" rtl="0" eaLnBrk="1" latinLnBrk="0" hangingPunct="1">
+              <a:defRPr sz="1800" kern="1200">
+                <a:solidFill>
+                  <a:schemeClr val="lt1"/>
+                </a:solidFill>
+                <a:latin typeface="+mn-lt"/>
+                <a:ea typeface="+mn-ea"/>
+                <a:cs typeface="+mn-cs"/>
+              </a:defRPr>
+            </a:lvl8pPr>
+            <a:lvl9pPr marL="3657600" algn="l" defTabSz="914400" rtl="0" eaLnBrk="1" latinLnBrk="0" hangingPunct="1">
+              <a:defRPr sz="1800" kern="1200">
+                <a:solidFill>
+                  <a:schemeClr val="lt1"/>
+                </a:solidFill>
+                <a:latin typeface="+mn-lt"/>
+                <a:ea typeface="+mn-ea"/>
+                <a:cs typeface="+mn-cs"/>
+              </a:defRPr>
+            </a:lvl9pPr>
+          </a:lstStyle>
+          <a:p>
+            <a:pPr algn="ctr"/>
+            <a:endParaRPr lang="en-US"/>
+          </a:p>
+        </p:txBody>
+      </p:sp>
+      <p:sp>
+        <p:nvSpPr>
+          <p:cNvPr id="60" name="文本框 59">
+            <a:extLst>
+              <a:ext uri="{FF2B5EF4-FFF2-40B4-BE49-F238E27FC236}">
+                <a16:creationId xmlns:a16="http://schemas.microsoft.com/office/drawing/2014/main" id="{6AFE0635-C5AD-4237-AC37-A03A65CBA7A3}"/>
+              </a:ext>
+            </a:extLst>
+          </p:cNvPr>
+          <p:cNvSpPr txBox="1"/>
+          <p:nvPr/>
+        </p:nvSpPr>
+        <p:spPr>
+          <a:xfrm>
+            <a:off x="8799391" y="1786417"/>
+            <a:ext cx="535724" cy="400110"/>
+          </a:xfrm>
+          <a:prstGeom prst="rect">
+            <a:avLst/>
+          </a:prstGeom>
+          <a:noFill/>
+        </p:spPr>
+        <p:txBody>
+          <a:bodyPr wrap="none" rtlCol="0">
+            <a:spAutoFit/>
+          </a:bodyPr>
+          <a:lstStyle/>
+          <a:p>
+            <a:r>
+              <a:rPr lang="en-US" altLang="zh-CN" sz="2000" b="1" dirty="0">
+                <a:solidFill>
+                  <a:srgbClr val="A5A5A5"/>
+                </a:solidFill>
+                <a:latin typeface="微软雅黑" panose="020B0503020204020204" pitchFamily="34" charset="-122"/>
+                <a:ea typeface="微软雅黑" panose="020B0503020204020204" pitchFamily="34" charset="-122"/>
+              </a:rPr>
+              <a:t>A1</a:t>
+            </a:r>
+            <a:endParaRPr lang="zh-CN" altLang="en-US" sz="2000" b="1" dirty="0">
+              <a:solidFill>
+                <a:srgbClr val="A5A5A5"/>
+              </a:solidFill>
+              <a:latin typeface="微软雅黑" panose="020B0503020204020204" pitchFamily="34" charset="-122"/>
+              <a:ea typeface="微软雅黑" panose="020B0503020204020204" pitchFamily="34" charset="-122"/>
+            </a:endParaRPr>
+          </a:p>
+        </p:txBody>
+      </p:sp>
+      <p:sp>
+        <p:nvSpPr>
+          <p:cNvPr id="61" name="文本框 60">
+            <a:extLst>
+              <a:ext uri="{FF2B5EF4-FFF2-40B4-BE49-F238E27FC236}">
+                <a16:creationId xmlns:a16="http://schemas.microsoft.com/office/drawing/2014/main" id="{B5B508F1-54A4-42AC-9FD5-FA8A277D9389}"/>
+              </a:ext>
+            </a:extLst>
+          </p:cNvPr>
+          <p:cNvSpPr txBox="1"/>
+          <p:nvPr/>
+        </p:nvSpPr>
+        <p:spPr>
+          <a:xfrm>
+            <a:off x="8799391" y="2330071"/>
+            <a:ext cx="535724" cy="400110"/>
+          </a:xfrm>
+          <a:prstGeom prst="rect">
+            <a:avLst/>
+          </a:prstGeom>
+          <a:noFill/>
+        </p:spPr>
+        <p:txBody>
+          <a:bodyPr wrap="none" rtlCol="0">
+            <a:spAutoFit/>
+          </a:bodyPr>
+          <a:lstStyle/>
+          <a:p>
+            <a:r>
+              <a:rPr lang="en-US" altLang="zh-CN" sz="2000" b="1" dirty="0">
+                <a:solidFill>
+                  <a:srgbClr val="A5A5A5"/>
+                </a:solidFill>
+                <a:latin typeface="微软雅黑" panose="020B0503020204020204" pitchFamily="34" charset="-122"/>
+                <a:ea typeface="微软雅黑" panose="020B0503020204020204" pitchFamily="34" charset="-122"/>
+              </a:rPr>
+              <a:t>A2</a:t>
+            </a:r>
+            <a:endParaRPr lang="zh-CN" altLang="en-US" sz="2000" b="1" dirty="0">
+              <a:solidFill>
+                <a:srgbClr val="A5A5A5"/>
+              </a:solidFill>
+              <a:latin typeface="微软雅黑" panose="020B0503020204020204" pitchFamily="34" charset="-122"/>
+              <a:ea typeface="微软雅黑" panose="020B0503020204020204" pitchFamily="34" charset="-122"/>
+            </a:endParaRPr>
+          </a:p>
+        </p:txBody>
+      </p:sp>
+      <p:cxnSp>
+        <p:nvCxnSpPr>
+          <p:cNvPr id="68" name="直接连接符 67">
+            <a:extLst>
+              <a:ext uri="{FF2B5EF4-FFF2-40B4-BE49-F238E27FC236}">
+                <a16:creationId xmlns:a16="http://schemas.microsoft.com/office/drawing/2014/main" id="{59CB4708-AC09-4BED-B7C5-9744C2D1235F}"/>
+              </a:ext>
+            </a:extLst>
+          </p:cNvPr>
+          <p:cNvCxnSpPr>
+            <a:cxnSpLocks/>
+          </p:cNvCxnSpPr>
+          <p:nvPr/>
+        </p:nvCxnSpPr>
+        <p:spPr>
+          <a:xfrm flipH="1" flipV="1">
+            <a:off x="7366789" y="2186527"/>
+            <a:ext cx="434754" cy="437591"/>
+          </a:xfrm>
+          <a:prstGeom prst="line">
+            <a:avLst/>
+          </a:prstGeom>
+          <a:ln w="12700">
+            <a:solidFill>
+              <a:schemeClr val="bg1">
+                <a:lumMod val="65000"/>
+              </a:schemeClr>
+            </a:solidFill>
+            <a:prstDash val="dash"/>
+          </a:ln>
+        </p:spPr>
+        <p:style>
+          <a:lnRef idx="1">
+            <a:schemeClr val="accent1"/>
+          </a:lnRef>
+          <a:fillRef idx="0">
+            <a:schemeClr val="accent1"/>
+          </a:fillRef>
+          <a:effectRef idx="0">
+            <a:schemeClr val="accent1"/>
+          </a:effectRef>
+          <a:fontRef idx="minor">
+            <a:schemeClr val="tx1"/>
+          </a:fontRef>
+        </p:style>
+      </p:cxnSp>
+      <p:sp>
+        <p:nvSpPr>
+          <p:cNvPr id="47" name="文本框 24">
+            <a:extLst>
+              <a:ext uri="{FF2B5EF4-FFF2-40B4-BE49-F238E27FC236}">
+                <a16:creationId xmlns:a16="http://schemas.microsoft.com/office/drawing/2014/main" id="{512097D9-8B11-954A-A7FB-382DCDA63446}"/>
+              </a:ext>
+            </a:extLst>
+          </p:cNvPr>
+          <p:cNvSpPr txBox="1"/>
+          <p:nvPr/>
+        </p:nvSpPr>
+        <p:spPr>
+          <a:xfrm>
+            <a:off x="7268790" y="675725"/>
+            <a:ext cx="1994457" cy="400110"/>
+          </a:xfrm>
+          <a:prstGeom prst="rect">
+            <a:avLst/>
+          </a:prstGeom>
+          <a:noFill/>
+        </p:spPr>
+        <p:txBody>
+          <a:bodyPr wrap="none" rtlCol="0">
+            <a:spAutoFit/>
+          </a:bodyPr>
+          <a:lstStyle/>
+          <a:p>
+            <a:r>
+              <a:rPr lang="en-US" altLang="zh-CN" sz="2000" b="1">
+                <a:solidFill>
+                  <a:srgbClr val="A5A5A5"/>
+                </a:solidFill>
+                <a:latin typeface="微软雅黑" panose="020B0503020204020204" pitchFamily="34" charset="-122"/>
+                <a:ea typeface="微软雅黑" panose="020B0503020204020204" pitchFamily="34" charset="-122"/>
+              </a:rPr>
+              <a:t>Default 0 </a:t>
+            </a:r>
+            <a:r>
+              <a:rPr lang="en-US" altLang="zh-CN" sz="2000" b="1" dirty="0">
+                <a:solidFill>
+                  <a:srgbClr val="A5A5A5"/>
+                </a:solidFill>
+                <a:latin typeface="微软雅黑" panose="020B0503020204020204" pitchFamily="34" charset="-122"/>
+                <a:ea typeface="微软雅黑" panose="020B0503020204020204" pitchFamily="34" charset="-122"/>
+              </a:rPr>
+              <a:t>x 73</a:t>
+            </a:r>
+            <a:endParaRPr lang="zh-CN" altLang="en-US" sz="2000" b="1" dirty="0">
+              <a:solidFill>
+                <a:srgbClr val="A5A5A5"/>
+              </a:solidFill>
+              <a:latin typeface="微软雅黑" panose="020B0503020204020204" pitchFamily="34" charset="-122"/>
+              <a:ea typeface="微软雅黑" panose="020B0503020204020204" pitchFamily="34" charset="-122"/>
+            </a:endParaRPr>
+          </a:p>
+        </p:txBody>
+      </p:sp>
+    </p:spTree>
+    <p:extLst>
+      <p:ext uri="{BB962C8B-B14F-4D97-AF65-F5344CB8AC3E}">
+        <p14:creationId xmlns:p14="http://schemas.microsoft.com/office/powerpoint/2010/main" val="3842048501"/>
       </p:ext>
     </p:extLst>
   </p:cSld>
